--- a/02 testing.pptx
+++ b/02 testing.pptx
@@ -265,7 +265,7 @@
               <a:rPr lang="en-US" smtClean="0">
                 <a:latin typeface="Segoe UI" pitchFamily="34" charset="0"/>
               </a:rPr>
-              <a:t>10/5/18 6:09 AM</a:t>
+              <a:t>10/9/18 6:17 AM</a:t>
             </a:fld>
             <a:endParaRPr lang="en-US" dirty="0">
               <a:latin typeface="Segoe UI" pitchFamily="34" charset="0"/>
@@ -559,7 +559,7 @@
           <a:p>
             <a:fld id="{D18B56EA-E28F-4F92-9F16-7A6F2501B303}" type="datetime8">
               <a:rPr lang="en-US" smtClean="0"/>
-              <a:t>10/5/18 6:09 AM</a:t>
+              <a:t>10/9/18 6:17 AM</a:t>
             </a:fld>
             <a:endParaRPr lang="en-US" dirty="0"/>
           </a:p>
@@ -942,7 +942,7 @@
           <a:p>
             <a:fld id="{D18B56EA-E28F-4F92-9F16-7A6F2501B303}" type="datetime8">
               <a:rPr lang="en-US" smtClean="0"/>
-              <a:t>10/5/18 6:26 AM</a:t>
+              <a:t>10/9/18 6:17 AM</a:t>
             </a:fld>
             <a:endParaRPr lang="en-US" dirty="0"/>
           </a:p>
@@ -1123,7 +1123,7 @@
           <a:p>
             <a:fld id="{D18B56EA-E28F-4F92-9F16-7A6F2501B303}" type="datetime8">
               <a:rPr lang="en-US" smtClean="0"/>
-              <a:t>10/5/18 6:26 AM</a:t>
+              <a:t>10/9/18 6:17 AM</a:t>
             </a:fld>
             <a:endParaRPr lang="en-US" dirty="0"/>
           </a:p>
@@ -1304,7 +1304,7 @@
           <a:p>
             <a:fld id="{D18B56EA-E28F-4F92-9F16-7A6F2501B303}" type="datetime8">
               <a:rPr lang="en-US" smtClean="0"/>
-              <a:t>10/5/18 6:27 AM</a:t>
+              <a:t>10/9/18 6:17 AM</a:t>
             </a:fld>
             <a:endParaRPr lang="en-US" dirty="0"/>
           </a:p>
@@ -1485,7 +1485,7 @@
           <a:p>
             <a:fld id="{D18B56EA-E28F-4F92-9F16-7A6F2501B303}" type="datetime8">
               <a:rPr lang="en-US" smtClean="0"/>
-              <a:t>10/5/18 6:26 AM</a:t>
+              <a:t>10/9/18 6:17 AM</a:t>
             </a:fld>
             <a:endParaRPr lang="en-US" dirty="0"/>
           </a:p>
@@ -1666,7 +1666,7 @@
           <a:p>
             <a:fld id="{D18B56EA-E28F-4F92-9F16-7A6F2501B303}" type="datetime8">
               <a:rPr lang="en-US" smtClean="0"/>
-              <a:t>10/5/18 6:15 AM</a:t>
+              <a:t>10/9/18 6:17 AM</a:t>
             </a:fld>
             <a:endParaRPr lang="en-US" dirty="0"/>
           </a:p>
@@ -1847,7 +1847,7 @@
           <a:p>
             <a:fld id="{D18B56EA-E28F-4F92-9F16-7A6F2501B303}" type="datetime8">
               <a:rPr lang="en-US" smtClean="0"/>
-              <a:t>10/5/18 6:15 AM</a:t>
+              <a:t>10/9/18 6:17 AM</a:t>
             </a:fld>
             <a:endParaRPr lang="en-US" dirty="0"/>
           </a:p>
@@ -15810,7 +15810,12 @@
             <p:ph type="body" sz="quarter" idx="10"/>
           </p:nvPr>
         </p:nvSpPr>
-        <p:spPr/>
+        <p:spPr>
+          <a:xfrm>
+            <a:off x="274638" y="1212850"/>
+            <a:ext cx="11887200" cy="6573979"/>
+          </a:xfrm>
+        </p:spPr>
         <p:txBody>
           <a:bodyPr/>
           <a:lstStyle/>
@@ -15845,7 +15850,7 @@
             <a:pPr lvl="1"/>
             <a:r>
               <a:rPr lang="en-US" dirty="0"/>
-              <a:t>Developers can leverage Uses mock data</a:t>
+              <a:t>Developers can leverage uses mock data</a:t>
             </a:r>
           </a:p>
           <a:p>
@@ -16497,7 +16502,7 @@
         <p:spPr>
           <a:xfrm>
             <a:off x="5426149" y="1212850"/>
-            <a:ext cx="6735688" cy="4912114"/>
+            <a:ext cx="6735688" cy="5355312"/>
           </a:xfrm>
         </p:spPr>
         <p:txBody>
@@ -16521,21 +16526,21 @@
           <a:p>
             <a:r>
               <a:rPr lang="en-US" sz="3200" dirty="0"/>
-              <a:t>The build process changes the </a:t>
+              <a:t>The build process </a:t>
             </a:r>
             <a:r>
               <a:rPr lang="en-US" sz="3200" dirty="0" err="1"/>
-              <a:t>TypeScript</a:t>
+              <a:t>transpiles</a:t>
             </a:r>
             <a:r>
               <a:rPr lang="en-US" sz="3200" dirty="0"/>
-              <a:t> into JavaScript and bundles it all into a single file</a:t>
+              <a:t> the TypeScript into JavaScript, then bundles it all into a single file</a:t>
             </a:r>
           </a:p>
           <a:p>
             <a:r>
               <a:rPr lang="en-US" sz="3200" dirty="0"/>
-              <a:t>As a result, it can be hard to debug the JavaScript the build generates</a:t>
+              <a:t>As a result, it can be hard to debug the resulting JavaScript bundle</a:t>
             </a:r>
           </a:p>
           <a:p>
